--- a/素材テンプレート/登壇者スライド.pptx
+++ b/素材テンプレート/登壇者スライド.pptx
@@ -361,7 +361,7 @@
           <a:p>
             <a:fld id="{B82DE7DF-5EEA-3D47-81E5-5D57FBEEB387}" type="datetimeFigureOut">
               <a:rPr lang="en-US" smtClean="0"/>
-              <a:t>8/22/2019</a:t>
+              <a:t>11/1/2019</a:t>
             </a:fld>
             <a:endParaRPr lang="en-US"/>
           </a:p>
@@ -531,7 +531,7 @@
             <a:fld id="{0B25AC41-3BEC-9247-8322-91B80C013F2D}" type="datetimeFigureOut">
               <a:rPr lang="en-US" smtClean="0"/>
               <a:pPr/>
-              <a:t>8/22/2019</a:t>
+              <a:t>11/1/2019</a:t>
             </a:fld>
             <a:endParaRPr lang="en-US" dirty="0"/>
           </a:p>
@@ -5548,6 +5548,136 @@
           </a:p>
         </p:txBody>
       </p:sp>
+      <p:sp>
+        <p:nvSpPr>
+          <p:cNvPr id="5" name="TextBox 4">
+            <a:extLst>
+              <a:ext uri="{FF2B5EF4-FFF2-40B4-BE49-F238E27FC236}">
+                <a16:creationId xmlns:a16="http://schemas.microsoft.com/office/drawing/2014/main" id="{24BF2EF8-7BC6-4349-9825-D167BE662F0D}"/>
+              </a:ext>
+            </a:extLst>
+          </p:cNvPr>
+          <p:cNvSpPr txBox="1"/>
+          <p:nvPr/>
+        </p:nvSpPr>
+        <p:spPr>
+          <a:xfrm>
+            <a:off x="805447" y="1005581"/>
+            <a:ext cx="2006600" cy="276999"/>
+          </a:xfrm>
+          <a:prstGeom prst="rect">
+            <a:avLst/>
+          </a:prstGeom>
+          <a:noFill/>
+        </p:spPr>
+        <p:txBody>
+          <a:bodyPr wrap="square" rtlCol="0">
+            <a:spAutoFit/>
+          </a:bodyPr>
+          <a:lstStyle/>
+          <a:p>
+            <a:pPr algn="ctr"/>
+            <a:r>
+              <a:rPr lang="en-US" altLang="ja-JP" sz="1200" b="1" dirty="0">
+                <a:solidFill>
+                  <a:srgbClr val="FFB100"/>
+                </a:solidFill>
+                <a:latin typeface="Amazon Ember" charset="0"/>
+                <a:ea typeface="Amazon Ember" charset="0"/>
+                <a:cs typeface="Amazon Ember" charset="0"/>
+              </a:rPr>
+              <a:t>KANAZAWA</a:t>
+            </a:r>
+            <a:endParaRPr lang="en-US" sz="1200" dirty="0"/>
+          </a:p>
+        </p:txBody>
+      </p:sp>
+      <p:cxnSp>
+        <p:nvCxnSpPr>
+          <p:cNvPr id="6" name="Straight Connector 6">
+            <a:extLst>
+              <a:ext uri="{FF2B5EF4-FFF2-40B4-BE49-F238E27FC236}">
+                <a16:creationId xmlns:a16="http://schemas.microsoft.com/office/drawing/2014/main" id="{C8441487-E535-4AD9-9F1F-6A206213DE57}"/>
+              </a:ext>
+            </a:extLst>
+          </p:cNvPr>
+          <p:cNvCxnSpPr>
+            <a:cxnSpLocks/>
+          </p:cNvCxnSpPr>
+          <p:nvPr/>
+        </p:nvCxnSpPr>
+        <p:spPr>
+          <a:xfrm flipH="1">
+            <a:off x="672399" y="1133323"/>
+            <a:ext cx="438225" cy="0"/>
+          </a:xfrm>
+          <a:prstGeom prst="line">
+            <a:avLst/>
+          </a:prstGeom>
+          <a:ln w="12700">
+            <a:solidFill>
+              <a:schemeClr val="bg1"/>
+            </a:solidFill>
+          </a:ln>
+        </p:spPr>
+        <p:style>
+          <a:lnRef idx="2">
+            <a:schemeClr val="accent1"/>
+          </a:lnRef>
+          <a:fillRef idx="0">
+            <a:schemeClr val="accent1"/>
+          </a:fillRef>
+          <a:effectRef idx="1">
+            <a:schemeClr val="accent1"/>
+          </a:effectRef>
+          <a:fontRef idx="minor">
+            <a:schemeClr val="tx1"/>
+          </a:fontRef>
+        </p:style>
+      </p:cxnSp>
+      <p:cxnSp>
+        <p:nvCxnSpPr>
+          <p:cNvPr id="7" name="Straight Connector 6">
+            <a:extLst>
+              <a:ext uri="{FF2B5EF4-FFF2-40B4-BE49-F238E27FC236}">
+                <a16:creationId xmlns:a16="http://schemas.microsoft.com/office/drawing/2014/main" id="{BFC3E73D-326F-4444-B088-A7EB6B97EFDA}"/>
+              </a:ext>
+            </a:extLst>
+          </p:cNvPr>
+          <p:cNvCxnSpPr>
+            <a:cxnSpLocks/>
+          </p:cNvCxnSpPr>
+          <p:nvPr/>
+        </p:nvCxnSpPr>
+        <p:spPr>
+          <a:xfrm flipH="1">
+            <a:off x="2459886" y="1138887"/>
+            <a:ext cx="438225" cy="0"/>
+          </a:xfrm>
+          <a:prstGeom prst="line">
+            <a:avLst/>
+          </a:prstGeom>
+          <a:ln w="12700">
+            <a:solidFill>
+              <a:schemeClr val="bg1"/>
+            </a:solidFill>
+          </a:ln>
+        </p:spPr>
+        <p:style>
+          <a:lnRef idx="2">
+            <a:schemeClr val="accent1"/>
+          </a:lnRef>
+          <a:fillRef idx="0">
+            <a:schemeClr val="accent1"/>
+          </a:fillRef>
+          <a:effectRef idx="1">
+            <a:schemeClr val="accent1"/>
+          </a:effectRef>
+          <a:fontRef idx="minor">
+            <a:schemeClr val="tx1"/>
+          </a:fontRef>
+        </p:style>
+      </p:cxnSp>
     </p:spTree>
     <p:extLst>
       <p:ext uri="{BB962C8B-B14F-4D97-AF65-F5344CB8AC3E}">
@@ -5708,6 +5838,136 @@
           </a:p>
         </p:txBody>
       </p:sp>
+      <p:sp>
+        <p:nvSpPr>
+          <p:cNvPr id="5" name="TextBox 4">
+            <a:extLst>
+              <a:ext uri="{FF2B5EF4-FFF2-40B4-BE49-F238E27FC236}">
+                <a16:creationId xmlns:a16="http://schemas.microsoft.com/office/drawing/2014/main" id="{C092FAD8-AE46-4751-A710-F4C1F56BE4A9}"/>
+              </a:ext>
+            </a:extLst>
+          </p:cNvPr>
+          <p:cNvSpPr txBox="1"/>
+          <p:nvPr/>
+        </p:nvSpPr>
+        <p:spPr>
+          <a:xfrm>
+            <a:off x="568778" y="811943"/>
+            <a:ext cx="2006600" cy="253916"/>
+          </a:xfrm>
+          <a:prstGeom prst="rect">
+            <a:avLst/>
+          </a:prstGeom>
+          <a:noFill/>
+        </p:spPr>
+        <p:txBody>
+          <a:bodyPr wrap="square" rtlCol="0">
+            <a:spAutoFit/>
+          </a:bodyPr>
+          <a:lstStyle/>
+          <a:p>
+            <a:pPr algn="ctr"/>
+            <a:r>
+              <a:rPr lang="en-US" altLang="ja-JP" sz="1050" b="1" dirty="0">
+                <a:solidFill>
+                  <a:srgbClr val="FFB100"/>
+                </a:solidFill>
+                <a:latin typeface="Amazon Ember" charset="0"/>
+                <a:ea typeface="Amazon Ember" charset="0"/>
+                <a:cs typeface="Amazon Ember" charset="0"/>
+              </a:rPr>
+              <a:t>KANAZAWA</a:t>
+            </a:r>
+            <a:endParaRPr lang="en-US" sz="1050" dirty="0"/>
+          </a:p>
+        </p:txBody>
+      </p:sp>
+      <p:cxnSp>
+        <p:nvCxnSpPr>
+          <p:cNvPr id="6" name="Straight Connector 6">
+            <a:extLst>
+              <a:ext uri="{FF2B5EF4-FFF2-40B4-BE49-F238E27FC236}">
+                <a16:creationId xmlns:a16="http://schemas.microsoft.com/office/drawing/2014/main" id="{FD6221D9-A924-47AC-B7C8-B2CC9A681C5E}"/>
+              </a:ext>
+            </a:extLst>
+          </p:cNvPr>
+          <p:cNvCxnSpPr>
+            <a:cxnSpLocks/>
+          </p:cNvCxnSpPr>
+          <p:nvPr/>
+        </p:nvCxnSpPr>
+        <p:spPr>
+          <a:xfrm flipH="1">
+            <a:off x="661640" y="938261"/>
+            <a:ext cx="438225" cy="0"/>
+          </a:xfrm>
+          <a:prstGeom prst="line">
+            <a:avLst/>
+          </a:prstGeom>
+          <a:ln w="12700">
+            <a:solidFill>
+              <a:schemeClr val="bg1"/>
+            </a:solidFill>
+          </a:ln>
+        </p:spPr>
+        <p:style>
+          <a:lnRef idx="2">
+            <a:schemeClr val="accent1"/>
+          </a:lnRef>
+          <a:fillRef idx="0">
+            <a:schemeClr val="accent1"/>
+          </a:fillRef>
+          <a:effectRef idx="1">
+            <a:schemeClr val="accent1"/>
+          </a:effectRef>
+          <a:fontRef idx="minor">
+            <a:schemeClr val="tx1"/>
+          </a:fontRef>
+        </p:style>
+      </p:cxnSp>
+      <p:cxnSp>
+        <p:nvCxnSpPr>
+          <p:cNvPr id="7" name="Straight Connector 6">
+            <a:extLst>
+              <a:ext uri="{FF2B5EF4-FFF2-40B4-BE49-F238E27FC236}">
+                <a16:creationId xmlns:a16="http://schemas.microsoft.com/office/drawing/2014/main" id="{054A60A5-0491-4899-8DF3-FC051CB5A3FC}"/>
+              </a:ext>
+            </a:extLst>
+          </p:cNvPr>
+          <p:cNvCxnSpPr>
+            <a:cxnSpLocks/>
+          </p:cNvCxnSpPr>
+          <p:nvPr/>
+        </p:nvCxnSpPr>
+        <p:spPr>
+          <a:xfrm flipH="1">
+            <a:off x="2029579" y="938261"/>
+            <a:ext cx="438225" cy="0"/>
+          </a:xfrm>
+          <a:prstGeom prst="line">
+            <a:avLst/>
+          </a:prstGeom>
+          <a:ln w="12700">
+            <a:solidFill>
+              <a:schemeClr val="bg1"/>
+            </a:solidFill>
+          </a:ln>
+        </p:spPr>
+        <p:style>
+          <a:lnRef idx="2">
+            <a:schemeClr val="accent1"/>
+          </a:lnRef>
+          <a:fillRef idx="0">
+            <a:schemeClr val="accent1"/>
+          </a:fillRef>
+          <a:effectRef idx="1">
+            <a:schemeClr val="accent1"/>
+          </a:effectRef>
+          <a:fontRef idx="minor">
+            <a:schemeClr val="tx1"/>
+          </a:fontRef>
+        </p:style>
+      </p:cxnSp>
     </p:spTree>
     <p:extLst>
       <p:ext uri="{BB962C8B-B14F-4D97-AF65-F5344CB8AC3E}">
@@ -5864,6 +6124,136 @@
           </a:p>
         </p:txBody>
       </p:sp>
+      <p:sp>
+        <p:nvSpPr>
+          <p:cNvPr id="7" name="TextBox 4">
+            <a:extLst>
+              <a:ext uri="{FF2B5EF4-FFF2-40B4-BE49-F238E27FC236}">
+                <a16:creationId xmlns:a16="http://schemas.microsoft.com/office/drawing/2014/main" id="{A9871A8D-2900-4560-B6DB-D732841EE3D6}"/>
+              </a:ext>
+            </a:extLst>
+          </p:cNvPr>
+          <p:cNvSpPr txBox="1"/>
+          <p:nvPr/>
+        </p:nvSpPr>
+        <p:spPr>
+          <a:xfrm>
+            <a:off x="568778" y="811943"/>
+            <a:ext cx="2006600" cy="253916"/>
+          </a:xfrm>
+          <a:prstGeom prst="rect">
+            <a:avLst/>
+          </a:prstGeom>
+          <a:noFill/>
+        </p:spPr>
+        <p:txBody>
+          <a:bodyPr wrap="square" rtlCol="0">
+            <a:spAutoFit/>
+          </a:bodyPr>
+          <a:lstStyle/>
+          <a:p>
+            <a:pPr algn="ctr"/>
+            <a:r>
+              <a:rPr lang="en-US" altLang="ja-JP" sz="1050" b="1" dirty="0">
+                <a:solidFill>
+                  <a:srgbClr val="FFB100"/>
+                </a:solidFill>
+                <a:latin typeface="Amazon Ember" charset="0"/>
+                <a:ea typeface="Amazon Ember" charset="0"/>
+                <a:cs typeface="Amazon Ember" charset="0"/>
+              </a:rPr>
+              <a:t>KANAZAWA</a:t>
+            </a:r>
+            <a:endParaRPr lang="en-US" sz="1050" dirty="0"/>
+          </a:p>
+        </p:txBody>
+      </p:sp>
+      <p:cxnSp>
+        <p:nvCxnSpPr>
+          <p:cNvPr id="8" name="Straight Connector 6">
+            <a:extLst>
+              <a:ext uri="{FF2B5EF4-FFF2-40B4-BE49-F238E27FC236}">
+                <a16:creationId xmlns:a16="http://schemas.microsoft.com/office/drawing/2014/main" id="{52FE92DF-4F6C-4538-A2AF-00E9D401C6CB}"/>
+              </a:ext>
+            </a:extLst>
+          </p:cNvPr>
+          <p:cNvCxnSpPr>
+            <a:cxnSpLocks/>
+          </p:cNvCxnSpPr>
+          <p:nvPr/>
+        </p:nvCxnSpPr>
+        <p:spPr>
+          <a:xfrm flipH="1">
+            <a:off x="661640" y="938261"/>
+            <a:ext cx="438225" cy="0"/>
+          </a:xfrm>
+          <a:prstGeom prst="line">
+            <a:avLst/>
+          </a:prstGeom>
+          <a:ln w="12700">
+            <a:solidFill>
+              <a:schemeClr val="bg1"/>
+            </a:solidFill>
+          </a:ln>
+        </p:spPr>
+        <p:style>
+          <a:lnRef idx="2">
+            <a:schemeClr val="accent1"/>
+          </a:lnRef>
+          <a:fillRef idx="0">
+            <a:schemeClr val="accent1"/>
+          </a:fillRef>
+          <a:effectRef idx="1">
+            <a:schemeClr val="accent1"/>
+          </a:effectRef>
+          <a:fontRef idx="minor">
+            <a:schemeClr val="tx1"/>
+          </a:fontRef>
+        </p:style>
+      </p:cxnSp>
+      <p:cxnSp>
+        <p:nvCxnSpPr>
+          <p:cNvPr id="9" name="Straight Connector 6">
+            <a:extLst>
+              <a:ext uri="{FF2B5EF4-FFF2-40B4-BE49-F238E27FC236}">
+                <a16:creationId xmlns:a16="http://schemas.microsoft.com/office/drawing/2014/main" id="{8B597542-4D12-4D14-BB33-E7EAB217628E}"/>
+              </a:ext>
+            </a:extLst>
+          </p:cNvPr>
+          <p:cNvCxnSpPr>
+            <a:cxnSpLocks/>
+          </p:cNvCxnSpPr>
+          <p:nvPr/>
+        </p:nvCxnSpPr>
+        <p:spPr>
+          <a:xfrm flipH="1">
+            <a:off x="2029579" y="938261"/>
+            <a:ext cx="438225" cy="0"/>
+          </a:xfrm>
+          <a:prstGeom prst="line">
+            <a:avLst/>
+          </a:prstGeom>
+          <a:ln w="12700">
+            <a:solidFill>
+              <a:schemeClr val="bg1"/>
+            </a:solidFill>
+          </a:ln>
+        </p:spPr>
+        <p:style>
+          <a:lnRef idx="2">
+            <a:schemeClr val="accent1"/>
+          </a:lnRef>
+          <a:fillRef idx="0">
+            <a:schemeClr val="accent1"/>
+          </a:fillRef>
+          <a:effectRef idx="1">
+            <a:schemeClr val="accent1"/>
+          </a:effectRef>
+          <a:fontRef idx="minor">
+            <a:schemeClr val="tx1"/>
+          </a:fontRef>
+        </p:style>
+      </p:cxnSp>
     </p:spTree>
     <p:extLst>
       <p:ext uri="{BB962C8B-B14F-4D97-AF65-F5344CB8AC3E}">
@@ -5996,6 +6386,136 @@
           </a:p>
         </p:txBody>
       </p:sp>
+      <p:sp>
+        <p:nvSpPr>
+          <p:cNvPr id="6" name="TextBox 4">
+            <a:extLst>
+              <a:ext uri="{FF2B5EF4-FFF2-40B4-BE49-F238E27FC236}">
+                <a16:creationId xmlns:a16="http://schemas.microsoft.com/office/drawing/2014/main" id="{60F2AF05-AF2E-40D5-8251-3A8D0B2C9E77}"/>
+              </a:ext>
+            </a:extLst>
+          </p:cNvPr>
+          <p:cNvSpPr txBox="1"/>
+          <p:nvPr/>
+        </p:nvSpPr>
+        <p:spPr>
+          <a:xfrm>
+            <a:off x="568778" y="811943"/>
+            <a:ext cx="2006600" cy="253916"/>
+          </a:xfrm>
+          <a:prstGeom prst="rect">
+            <a:avLst/>
+          </a:prstGeom>
+          <a:noFill/>
+        </p:spPr>
+        <p:txBody>
+          <a:bodyPr wrap="square" rtlCol="0">
+            <a:spAutoFit/>
+          </a:bodyPr>
+          <a:lstStyle/>
+          <a:p>
+            <a:pPr algn="ctr"/>
+            <a:r>
+              <a:rPr lang="en-US" altLang="ja-JP" sz="1050" b="1" dirty="0">
+                <a:solidFill>
+                  <a:srgbClr val="FFB100"/>
+                </a:solidFill>
+                <a:latin typeface="Amazon Ember" charset="0"/>
+                <a:ea typeface="Amazon Ember" charset="0"/>
+                <a:cs typeface="Amazon Ember" charset="0"/>
+              </a:rPr>
+              <a:t>KANAZAWA</a:t>
+            </a:r>
+            <a:endParaRPr lang="en-US" sz="1050" dirty="0"/>
+          </a:p>
+        </p:txBody>
+      </p:sp>
+      <p:cxnSp>
+        <p:nvCxnSpPr>
+          <p:cNvPr id="7" name="Straight Connector 6">
+            <a:extLst>
+              <a:ext uri="{FF2B5EF4-FFF2-40B4-BE49-F238E27FC236}">
+                <a16:creationId xmlns:a16="http://schemas.microsoft.com/office/drawing/2014/main" id="{381788E4-F5C3-49ED-BCCB-599851FB148B}"/>
+              </a:ext>
+            </a:extLst>
+          </p:cNvPr>
+          <p:cNvCxnSpPr>
+            <a:cxnSpLocks/>
+          </p:cNvCxnSpPr>
+          <p:nvPr/>
+        </p:nvCxnSpPr>
+        <p:spPr>
+          <a:xfrm flipH="1">
+            <a:off x="661640" y="938261"/>
+            <a:ext cx="438225" cy="0"/>
+          </a:xfrm>
+          <a:prstGeom prst="line">
+            <a:avLst/>
+          </a:prstGeom>
+          <a:ln w="12700">
+            <a:solidFill>
+              <a:schemeClr val="bg1"/>
+            </a:solidFill>
+          </a:ln>
+        </p:spPr>
+        <p:style>
+          <a:lnRef idx="2">
+            <a:schemeClr val="accent1"/>
+          </a:lnRef>
+          <a:fillRef idx="0">
+            <a:schemeClr val="accent1"/>
+          </a:fillRef>
+          <a:effectRef idx="1">
+            <a:schemeClr val="accent1"/>
+          </a:effectRef>
+          <a:fontRef idx="minor">
+            <a:schemeClr val="tx1"/>
+          </a:fontRef>
+        </p:style>
+      </p:cxnSp>
+      <p:cxnSp>
+        <p:nvCxnSpPr>
+          <p:cNvPr id="8" name="Straight Connector 6">
+            <a:extLst>
+              <a:ext uri="{FF2B5EF4-FFF2-40B4-BE49-F238E27FC236}">
+                <a16:creationId xmlns:a16="http://schemas.microsoft.com/office/drawing/2014/main" id="{E72D9EB2-8056-48A5-B42B-6B07438EE7A7}"/>
+              </a:ext>
+            </a:extLst>
+          </p:cNvPr>
+          <p:cNvCxnSpPr>
+            <a:cxnSpLocks/>
+          </p:cNvCxnSpPr>
+          <p:nvPr/>
+        </p:nvCxnSpPr>
+        <p:spPr>
+          <a:xfrm flipH="1">
+            <a:off x="2029579" y="938261"/>
+            <a:ext cx="438225" cy="0"/>
+          </a:xfrm>
+          <a:prstGeom prst="line">
+            <a:avLst/>
+          </a:prstGeom>
+          <a:ln w="12700">
+            <a:solidFill>
+              <a:schemeClr val="bg1"/>
+            </a:solidFill>
+          </a:ln>
+        </p:spPr>
+        <p:style>
+          <a:lnRef idx="2">
+            <a:schemeClr val="accent1"/>
+          </a:lnRef>
+          <a:fillRef idx="0">
+            <a:schemeClr val="accent1"/>
+          </a:fillRef>
+          <a:effectRef idx="1">
+            <a:schemeClr val="accent1"/>
+          </a:effectRef>
+          <a:fontRef idx="minor">
+            <a:schemeClr val="tx1"/>
+          </a:fontRef>
+        </p:style>
+      </p:cxnSp>
     </p:spTree>
     <p:extLst>
       <p:ext uri="{BB962C8B-B14F-4D97-AF65-F5344CB8AC3E}">
@@ -6220,6 +6740,136 @@
           </a:xfrm>
         </p:spPr>
       </p:sp>
+      <p:sp>
+        <p:nvSpPr>
+          <p:cNvPr id="19" name="TextBox 4">
+            <a:extLst>
+              <a:ext uri="{FF2B5EF4-FFF2-40B4-BE49-F238E27FC236}">
+                <a16:creationId xmlns:a16="http://schemas.microsoft.com/office/drawing/2014/main" id="{B0FFCDA0-B47A-488E-BCAF-7F90F54A3B08}"/>
+              </a:ext>
+            </a:extLst>
+          </p:cNvPr>
+          <p:cNvSpPr txBox="1"/>
+          <p:nvPr/>
+        </p:nvSpPr>
+        <p:spPr>
+          <a:xfrm>
+            <a:off x="805447" y="1005581"/>
+            <a:ext cx="2006600" cy="276999"/>
+          </a:xfrm>
+          <a:prstGeom prst="rect">
+            <a:avLst/>
+          </a:prstGeom>
+          <a:noFill/>
+        </p:spPr>
+        <p:txBody>
+          <a:bodyPr wrap="square" rtlCol="0">
+            <a:spAutoFit/>
+          </a:bodyPr>
+          <a:lstStyle/>
+          <a:p>
+            <a:pPr algn="ctr"/>
+            <a:r>
+              <a:rPr lang="en-US" altLang="ja-JP" sz="1200" b="1" dirty="0">
+                <a:solidFill>
+                  <a:srgbClr val="FFB100"/>
+                </a:solidFill>
+                <a:latin typeface="Amazon Ember" charset="0"/>
+                <a:ea typeface="Amazon Ember" charset="0"/>
+                <a:cs typeface="Amazon Ember" charset="0"/>
+              </a:rPr>
+              <a:t>KANAZAWA</a:t>
+            </a:r>
+            <a:endParaRPr lang="en-US" sz="1200" dirty="0"/>
+          </a:p>
+        </p:txBody>
+      </p:sp>
+      <p:cxnSp>
+        <p:nvCxnSpPr>
+          <p:cNvPr id="20" name="Straight Connector 6">
+            <a:extLst>
+              <a:ext uri="{FF2B5EF4-FFF2-40B4-BE49-F238E27FC236}">
+                <a16:creationId xmlns:a16="http://schemas.microsoft.com/office/drawing/2014/main" id="{56E4E3B2-F250-415A-88D3-83CF9F1F4FBF}"/>
+              </a:ext>
+            </a:extLst>
+          </p:cNvPr>
+          <p:cNvCxnSpPr>
+            <a:cxnSpLocks/>
+          </p:cNvCxnSpPr>
+          <p:nvPr/>
+        </p:nvCxnSpPr>
+        <p:spPr>
+          <a:xfrm flipH="1">
+            <a:off x="672399" y="1133323"/>
+            <a:ext cx="438225" cy="0"/>
+          </a:xfrm>
+          <a:prstGeom prst="line">
+            <a:avLst/>
+          </a:prstGeom>
+          <a:ln w="12700">
+            <a:solidFill>
+              <a:schemeClr val="bg1"/>
+            </a:solidFill>
+          </a:ln>
+        </p:spPr>
+        <p:style>
+          <a:lnRef idx="2">
+            <a:schemeClr val="accent1"/>
+          </a:lnRef>
+          <a:fillRef idx="0">
+            <a:schemeClr val="accent1"/>
+          </a:fillRef>
+          <a:effectRef idx="1">
+            <a:schemeClr val="accent1"/>
+          </a:effectRef>
+          <a:fontRef idx="minor">
+            <a:schemeClr val="tx1"/>
+          </a:fontRef>
+        </p:style>
+      </p:cxnSp>
+      <p:cxnSp>
+        <p:nvCxnSpPr>
+          <p:cNvPr id="21" name="Straight Connector 6">
+            <a:extLst>
+              <a:ext uri="{FF2B5EF4-FFF2-40B4-BE49-F238E27FC236}">
+                <a16:creationId xmlns:a16="http://schemas.microsoft.com/office/drawing/2014/main" id="{16A90CB7-0C5C-44C1-9A32-27FEEC0CBEAD}"/>
+              </a:ext>
+            </a:extLst>
+          </p:cNvPr>
+          <p:cNvCxnSpPr>
+            <a:cxnSpLocks/>
+          </p:cNvCxnSpPr>
+          <p:nvPr/>
+        </p:nvCxnSpPr>
+        <p:spPr>
+          <a:xfrm flipH="1">
+            <a:off x="2459886" y="1138887"/>
+            <a:ext cx="438225" cy="0"/>
+          </a:xfrm>
+          <a:prstGeom prst="line">
+            <a:avLst/>
+          </a:prstGeom>
+          <a:ln w="12700">
+            <a:solidFill>
+              <a:schemeClr val="bg1"/>
+            </a:solidFill>
+          </a:ln>
+        </p:spPr>
+        <p:style>
+          <a:lnRef idx="2">
+            <a:schemeClr val="accent1"/>
+          </a:lnRef>
+          <a:fillRef idx="0">
+            <a:schemeClr val="accent1"/>
+          </a:fillRef>
+          <a:effectRef idx="1">
+            <a:schemeClr val="accent1"/>
+          </a:effectRef>
+          <a:fontRef idx="minor">
+            <a:schemeClr val="tx1"/>
+          </a:fontRef>
+        </p:style>
+      </p:cxnSp>
     </p:spTree>
     <p:extLst>
       <p:ext uri="{BB962C8B-B14F-4D97-AF65-F5344CB8AC3E}">
@@ -6544,6 +7194,136 @@
           </a:xfrm>
         </p:spPr>
       </p:sp>
+      <p:sp>
+        <p:nvSpPr>
+          <p:cNvPr id="21" name="TextBox 4">
+            <a:extLst>
+              <a:ext uri="{FF2B5EF4-FFF2-40B4-BE49-F238E27FC236}">
+                <a16:creationId xmlns:a16="http://schemas.microsoft.com/office/drawing/2014/main" id="{9FE8F55D-2E77-45BE-88FF-1C5437313812}"/>
+              </a:ext>
+            </a:extLst>
+          </p:cNvPr>
+          <p:cNvSpPr txBox="1"/>
+          <p:nvPr/>
+        </p:nvSpPr>
+        <p:spPr>
+          <a:xfrm>
+            <a:off x="568778" y="811943"/>
+            <a:ext cx="2006600" cy="253916"/>
+          </a:xfrm>
+          <a:prstGeom prst="rect">
+            <a:avLst/>
+          </a:prstGeom>
+          <a:noFill/>
+        </p:spPr>
+        <p:txBody>
+          <a:bodyPr wrap="square" rtlCol="0">
+            <a:spAutoFit/>
+          </a:bodyPr>
+          <a:lstStyle/>
+          <a:p>
+            <a:pPr algn="ctr"/>
+            <a:r>
+              <a:rPr lang="en-US" altLang="ja-JP" sz="1050" b="1" dirty="0">
+                <a:solidFill>
+                  <a:srgbClr val="FFB100"/>
+                </a:solidFill>
+                <a:latin typeface="Amazon Ember" charset="0"/>
+                <a:ea typeface="Amazon Ember" charset="0"/>
+                <a:cs typeface="Amazon Ember" charset="0"/>
+              </a:rPr>
+              <a:t>KANAZAWA</a:t>
+            </a:r>
+            <a:endParaRPr lang="en-US" sz="1050" dirty="0"/>
+          </a:p>
+        </p:txBody>
+      </p:sp>
+      <p:cxnSp>
+        <p:nvCxnSpPr>
+          <p:cNvPr id="22" name="Straight Connector 6">
+            <a:extLst>
+              <a:ext uri="{FF2B5EF4-FFF2-40B4-BE49-F238E27FC236}">
+                <a16:creationId xmlns:a16="http://schemas.microsoft.com/office/drawing/2014/main" id="{893EE13A-1BB4-4C17-9941-D4005BC2B522}"/>
+              </a:ext>
+            </a:extLst>
+          </p:cNvPr>
+          <p:cNvCxnSpPr>
+            <a:cxnSpLocks/>
+          </p:cNvCxnSpPr>
+          <p:nvPr/>
+        </p:nvCxnSpPr>
+        <p:spPr>
+          <a:xfrm flipH="1">
+            <a:off x="661640" y="938261"/>
+            <a:ext cx="438225" cy="0"/>
+          </a:xfrm>
+          <a:prstGeom prst="line">
+            <a:avLst/>
+          </a:prstGeom>
+          <a:ln w="12700">
+            <a:solidFill>
+              <a:schemeClr val="bg1"/>
+            </a:solidFill>
+          </a:ln>
+        </p:spPr>
+        <p:style>
+          <a:lnRef idx="2">
+            <a:schemeClr val="accent1"/>
+          </a:lnRef>
+          <a:fillRef idx="0">
+            <a:schemeClr val="accent1"/>
+          </a:fillRef>
+          <a:effectRef idx="1">
+            <a:schemeClr val="accent1"/>
+          </a:effectRef>
+          <a:fontRef idx="minor">
+            <a:schemeClr val="tx1"/>
+          </a:fontRef>
+        </p:style>
+      </p:cxnSp>
+      <p:cxnSp>
+        <p:nvCxnSpPr>
+          <p:cNvPr id="23" name="Straight Connector 6">
+            <a:extLst>
+              <a:ext uri="{FF2B5EF4-FFF2-40B4-BE49-F238E27FC236}">
+                <a16:creationId xmlns:a16="http://schemas.microsoft.com/office/drawing/2014/main" id="{DD8FA9D3-FA84-49B1-B5C7-C359C8760152}"/>
+              </a:ext>
+            </a:extLst>
+          </p:cNvPr>
+          <p:cNvCxnSpPr>
+            <a:cxnSpLocks/>
+          </p:cNvCxnSpPr>
+          <p:nvPr/>
+        </p:nvCxnSpPr>
+        <p:spPr>
+          <a:xfrm flipH="1">
+            <a:off x="2029579" y="938261"/>
+            <a:ext cx="438225" cy="0"/>
+          </a:xfrm>
+          <a:prstGeom prst="line">
+            <a:avLst/>
+          </a:prstGeom>
+          <a:ln w="12700">
+            <a:solidFill>
+              <a:schemeClr val="bg1"/>
+            </a:solidFill>
+          </a:ln>
+        </p:spPr>
+        <p:style>
+          <a:lnRef idx="2">
+            <a:schemeClr val="accent1"/>
+          </a:lnRef>
+          <a:fillRef idx="0">
+            <a:schemeClr val="accent1"/>
+          </a:fillRef>
+          <a:effectRef idx="1">
+            <a:schemeClr val="accent1"/>
+          </a:effectRef>
+          <a:fontRef idx="minor">
+            <a:schemeClr val="tx1"/>
+          </a:fontRef>
+        </p:style>
+      </p:cxnSp>
     </p:spTree>
     <p:extLst>
       <p:ext uri="{BB962C8B-B14F-4D97-AF65-F5344CB8AC3E}">
@@ -6649,6 +7429,136 @@
           </a:p>
         </p:txBody>
       </p:sp>
+      <p:sp>
+        <p:nvSpPr>
+          <p:cNvPr id="5" name="TextBox 4">
+            <a:extLst>
+              <a:ext uri="{FF2B5EF4-FFF2-40B4-BE49-F238E27FC236}">
+                <a16:creationId xmlns:a16="http://schemas.microsoft.com/office/drawing/2014/main" id="{3507E9F2-E341-4B47-8E42-58D74C593A96}"/>
+              </a:ext>
+            </a:extLst>
+          </p:cNvPr>
+          <p:cNvSpPr txBox="1"/>
+          <p:nvPr/>
+        </p:nvSpPr>
+        <p:spPr>
+          <a:xfrm>
+            <a:off x="805447" y="1005581"/>
+            <a:ext cx="2006600" cy="276999"/>
+          </a:xfrm>
+          <a:prstGeom prst="rect">
+            <a:avLst/>
+          </a:prstGeom>
+          <a:noFill/>
+        </p:spPr>
+        <p:txBody>
+          <a:bodyPr wrap="square" rtlCol="0">
+            <a:spAutoFit/>
+          </a:bodyPr>
+          <a:lstStyle/>
+          <a:p>
+            <a:pPr algn="ctr"/>
+            <a:r>
+              <a:rPr lang="en-US" altLang="ja-JP" sz="1200" b="1" dirty="0">
+                <a:solidFill>
+                  <a:srgbClr val="FFB100"/>
+                </a:solidFill>
+                <a:latin typeface="Amazon Ember" charset="0"/>
+                <a:ea typeface="Amazon Ember" charset="0"/>
+                <a:cs typeface="Amazon Ember" charset="0"/>
+              </a:rPr>
+              <a:t>KANAZAWA</a:t>
+            </a:r>
+            <a:endParaRPr lang="en-US" sz="1200" dirty="0"/>
+          </a:p>
+        </p:txBody>
+      </p:sp>
+      <p:cxnSp>
+        <p:nvCxnSpPr>
+          <p:cNvPr id="7" name="Straight Connector 6">
+            <a:extLst>
+              <a:ext uri="{FF2B5EF4-FFF2-40B4-BE49-F238E27FC236}">
+                <a16:creationId xmlns:a16="http://schemas.microsoft.com/office/drawing/2014/main" id="{A91EA6A8-8C22-4365-A8F1-91A5BC88416D}"/>
+              </a:ext>
+            </a:extLst>
+          </p:cNvPr>
+          <p:cNvCxnSpPr>
+            <a:cxnSpLocks/>
+          </p:cNvCxnSpPr>
+          <p:nvPr/>
+        </p:nvCxnSpPr>
+        <p:spPr>
+          <a:xfrm flipH="1">
+            <a:off x="672399" y="1133323"/>
+            <a:ext cx="438225" cy="0"/>
+          </a:xfrm>
+          <a:prstGeom prst="line">
+            <a:avLst/>
+          </a:prstGeom>
+          <a:ln w="12700">
+            <a:solidFill>
+              <a:schemeClr val="bg1"/>
+            </a:solidFill>
+          </a:ln>
+        </p:spPr>
+        <p:style>
+          <a:lnRef idx="2">
+            <a:schemeClr val="accent1"/>
+          </a:lnRef>
+          <a:fillRef idx="0">
+            <a:schemeClr val="accent1"/>
+          </a:fillRef>
+          <a:effectRef idx="1">
+            <a:schemeClr val="accent1"/>
+          </a:effectRef>
+          <a:fontRef idx="minor">
+            <a:schemeClr val="tx1"/>
+          </a:fontRef>
+        </p:style>
+      </p:cxnSp>
+      <p:cxnSp>
+        <p:nvCxnSpPr>
+          <p:cNvPr id="9" name="Straight Connector 6">
+            <a:extLst>
+              <a:ext uri="{FF2B5EF4-FFF2-40B4-BE49-F238E27FC236}">
+                <a16:creationId xmlns:a16="http://schemas.microsoft.com/office/drawing/2014/main" id="{F695B6B6-CB63-4ABC-AFAA-5E322D2B9E4A}"/>
+              </a:ext>
+            </a:extLst>
+          </p:cNvPr>
+          <p:cNvCxnSpPr>
+            <a:cxnSpLocks/>
+          </p:cNvCxnSpPr>
+          <p:nvPr/>
+        </p:nvCxnSpPr>
+        <p:spPr>
+          <a:xfrm flipH="1">
+            <a:off x="2459886" y="1138887"/>
+            <a:ext cx="438225" cy="0"/>
+          </a:xfrm>
+          <a:prstGeom prst="line">
+            <a:avLst/>
+          </a:prstGeom>
+          <a:ln w="12700">
+            <a:solidFill>
+              <a:schemeClr val="bg1"/>
+            </a:solidFill>
+          </a:ln>
+        </p:spPr>
+        <p:style>
+          <a:lnRef idx="2">
+            <a:schemeClr val="accent1"/>
+          </a:lnRef>
+          <a:fillRef idx="0">
+            <a:schemeClr val="accent1"/>
+          </a:fillRef>
+          <a:effectRef idx="1">
+            <a:schemeClr val="accent1"/>
+          </a:effectRef>
+          <a:fontRef idx="minor">
+            <a:schemeClr val="tx1"/>
+          </a:fontRef>
+        </p:style>
+      </p:cxnSp>
     </p:spTree>
     <p:extLst>
       <p:ext uri="{BB962C8B-B14F-4D97-AF65-F5344CB8AC3E}">
@@ -6700,6 +7610,10 @@
           <a:lstStyle/>
           <a:p>
             <a:r>
+              <a:rPr lang="ja-JP" altLang="en-US" dirty="0"/>
+              <a:t>フォント、</a:t>
+            </a:r>
+            <a:r>
               <a:rPr lang="en-US" dirty="0"/>
               <a:t>Fonts, sizes, colors, and layouts are all pre-built in this template.</a:t>
             </a:r>
@@ -6712,6 +7626,136 @@
           </a:p>
         </p:txBody>
       </p:sp>
+      <p:sp>
+        <p:nvSpPr>
+          <p:cNvPr id="4" name="TextBox 4">
+            <a:extLst>
+              <a:ext uri="{FF2B5EF4-FFF2-40B4-BE49-F238E27FC236}">
+                <a16:creationId xmlns:a16="http://schemas.microsoft.com/office/drawing/2014/main" id="{038AE9A9-AB69-4472-914C-EFD08C2D7CD5}"/>
+              </a:ext>
+            </a:extLst>
+          </p:cNvPr>
+          <p:cNvSpPr txBox="1"/>
+          <p:nvPr/>
+        </p:nvSpPr>
+        <p:spPr>
+          <a:xfrm>
+            <a:off x="805447" y="1005581"/>
+            <a:ext cx="2006600" cy="276999"/>
+          </a:xfrm>
+          <a:prstGeom prst="rect">
+            <a:avLst/>
+          </a:prstGeom>
+          <a:noFill/>
+        </p:spPr>
+        <p:txBody>
+          <a:bodyPr wrap="square" rtlCol="0">
+            <a:spAutoFit/>
+          </a:bodyPr>
+          <a:lstStyle/>
+          <a:p>
+            <a:pPr algn="ctr"/>
+            <a:r>
+              <a:rPr lang="en-US" altLang="ja-JP" sz="1200" b="1" dirty="0">
+                <a:solidFill>
+                  <a:srgbClr val="FFB100"/>
+                </a:solidFill>
+                <a:latin typeface="Amazon Ember" charset="0"/>
+                <a:ea typeface="Amazon Ember" charset="0"/>
+                <a:cs typeface="Amazon Ember" charset="0"/>
+              </a:rPr>
+              <a:t>KANAZAWA</a:t>
+            </a:r>
+            <a:endParaRPr lang="en-US" sz="1200" dirty="0"/>
+          </a:p>
+        </p:txBody>
+      </p:sp>
+      <p:cxnSp>
+        <p:nvCxnSpPr>
+          <p:cNvPr id="5" name="Straight Connector 6">
+            <a:extLst>
+              <a:ext uri="{FF2B5EF4-FFF2-40B4-BE49-F238E27FC236}">
+                <a16:creationId xmlns:a16="http://schemas.microsoft.com/office/drawing/2014/main" id="{717B84F9-BE96-47DE-A416-D0BB3DD08530}"/>
+              </a:ext>
+            </a:extLst>
+          </p:cNvPr>
+          <p:cNvCxnSpPr>
+            <a:cxnSpLocks/>
+          </p:cNvCxnSpPr>
+          <p:nvPr/>
+        </p:nvCxnSpPr>
+        <p:spPr>
+          <a:xfrm flipH="1">
+            <a:off x="672399" y="1133323"/>
+            <a:ext cx="438225" cy="0"/>
+          </a:xfrm>
+          <a:prstGeom prst="line">
+            <a:avLst/>
+          </a:prstGeom>
+          <a:ln w="12700">
+            <a:solidFill>
+              <a:schemeClr val="bg1"/>
+            </a:solidFill>
+          </a:ln>
+        </p:spPr>
+        <p:style>
+          <a:lnRef idx="2">
+            <a:schemeClr val="accent1"/>
+          </a:lnRef>
+          <a:fillRef idx="0">
+            <a:schemeClr val="accent1"/>
+          </a:fillRef>
+          <a:effectRef idx="1">
+            <a:schemeClr val="accent1"/>
+          </a:effectRef>
+          <a:fontRef idx="minor">
+            <a:schemeClr val="tx1"/>
+          </a:fontRef>
+        </p:style>
+      </p:cxnSp>
+      <p:cxnSp>
+        <p:nvCxnSpPr>
+          <p:cNvPr id="6" name="Straight Connector 6">
+            <a:extLst>
+              <a:ext uri="{FF2B5EF4-FFF2-40B4-BE49-F238E27FC236}">
+                <a16:creationId xmlns:a16="http://schemas.microsoft.com/office/drawing/2014/main" id="{BD6FD3BE-EF06-4A36-A10E-35379F855F46}"/>
+              </a:ext>
+            </a:extLst>
+          </p:cNvPr>
+          <p:cNvCxnSpPr>
+            <a:cxnSpLocks/>
+          </p:cNvCxnSpPr>
+          <p:nvPr/>
+        </p:nvCxnSpPr>
+        <p:spPr>
+          <a:xfrm flipH="1">
+            <a:off x="2459886" y="1138887"/>
+            <a:ext cx="438225" cy="0"/>
+          </a:xfrm>
+          <a:prstGeom prst="line">
+            <a:avLst/>
+          </a:prstGeom>
+          <a:ln w="12700">
+            <a:solidFill>
+              <a:schemeClr val="bg1"/>
+            </a:solidFill>
+          </a:ln>
+        </p:spPr>
+        <p:style>
+          <a:lnRef idx="2">
+            <a:schemeClr val="accent1"/>
+          </a:lnRef>
+          <a:fillRef idx="0">
+            <a:schemeClr val="accent1"/>
+          </a:fillRef>
+          <a:effectRef idx="1">
+            <a:schemeClr val="accent1"/>
+          </a:effectRef>
+          <a:fontRef idx="minor">
+            <a:schemeClr val="tx1"/>
+          </a:fontRef>
+        </p:style>
+      </p:cxnSp>
     </p:spTree>
     <p:extLst>
       <p:ext uri="{BB962C8B-B14F-4D97-AF65-F5344CB8AC3E}">
@@ -7248,6 +8292,136 @@
           </p:spPr>
         </p:pic>
       </p:grpSp>
+      <p:sp>
+        <p:nvSpPr>
+          <p:cNvPr id="13" name="TextBox 4">
+            <a:extLst>
+              <a:ext uri="{FF2B5EF4-FFF2-40B4-BE49-F238E27FC236}">
+                <a16:creationId xmlns:a16="http://schemas.microsoft.com/office/drawing/2014/main" id="{B4A9AF32-B7BF-44B9-A986-6950F3DB4D98}"/>
+              </a:ext>
+            </a:extLst>
+          </p:cNvPr>
+          <p:cNvSpPr txBox="1"/>
+          <p:nvPr/>
+        </p:nvSpPr>
+        <p:spPr>
+          <a:xfrm>
+            <a:off x="805447" y="1005581"/>
+            <a:ext cx="2006600" cy="276999"/>
+          </a:xfrm>
+          <a:prstGeom prst="rect">
+            <a:avLst/>
+          </a:prstGeom>
+          <a:noFill/>
+        </p:spPr>
+        <p:txBody>
+          <a:bodyPr wrap="square" rtlCol="0">
+            <a:spAutoFit/>
+          </a:bodyPr>
+          <a:lstStyle/>
+          <a:p>
+            <a:pPr algn="ctr"/>
+            <a:r>
+              <a:rPr lang="en-US" altLang="ja-JP" sz="1200" b="1" dirty="0">
+                <a:solidFill>
+                  <a:srgbClr val="FFB100"/>
+                </a:solidFill>
+                <a:latin typeface="Amazon Ember" charset="0"/>
+                <a:ea typeface="Amazon Ember" charset="0"/>
+                <a:cs typeface="Amazon Ember" charset="0"/>
+              </a:rPr>
+              <a:t>KANAZAWA</a:t>
+            </a:r>
+            <a:endParaRPr lang="en-US" sz="1200" dirty="0"/>
+          </a:p>
+        </p:txBody>
+      </p:sp>
+      <p:cxnSp>
+        <p:nvCxnSpPr>
+          <p:cNvPr id="14" name="Straight Connector 6">
+            <a:extLst>
+              <a:ext uri="{FF2B5EF4-FFF2-40B4-BE49-F238E27FC236}">
+                <a16:creationId xmlns:a16="http://schemas.microsoft.com/office/drawing/2014/main" id="{AF4B4ACA-2A74-4D30-9E98-AFBCC91918F0}"/>
+              </a:ext>
+            </a:extLst>
+          </p:cNvPr>
+          <p:cNvCxnSpPr>
+            <a:cxnSpLocks/>
+          </p:cNvCxnSpPr>
+          <p:nvPr/>
+        </p:nvCxnSpPr>
+        <p:spPr>
+          <a:xfrm flipH="1">
+            <a:off x="672399" y="1133323"/>
+            <a:ext cx="438225" cy="0"/>
+          </a:xfrm>
+          <a:prstGeom prst="line">
+            <a:avLst/>
+          </a:prstGeom>
+          <a:ln w="12700">
+            <a:solidFill>
+              <a:schemeClr val="bg1"/>
+            </a:solidFill>
+          </a:ln>
+        </p:spPr>
+        <p:style>
+          <a:lnRef idx="2">
+            <a:schemeClr val="accent1"/>
+          </a:lnRef>
+          <a:fillRef idx="0">
+            <a:schemeClr val="accent1"/>
+          </a:fillRef>
+          <a:effectRef idx="1">
+            <a:schemeClr val="accent1"/>
+          </a:effectRef>
+          <a:fontRef idx="minor">
+            <a:schemeClr val="tx1"/>
+          </a:fontRef>
+        </p:style>
+      </p:cxnSp>
+      <p:cxnSp>
+        <p:nvCxnSpPr>
+          <p:cNvPr id="15" name="Straight Connector 6">
+            <a:extLst>
+              <a:ext uri="{FF2B5EF4-FFF2-40B4-BE49-F238E27FC236}">
+                <a16:creationId xmlns:a16="http://schemas.microsoft.com/office/drawing/2014/main" id="{5131EF36-CFD7-4470-931D-090742C5AD12}"/>
+              </a:ext>
+            </a:extLst>
+          </p:cNvPr>
+          <p:cNvCxnSpPr>
+            <a:cxnSpLocks/>
+          </p:cNvCxnSpPr>
+          <p:nvPr/>
+        </p:nvCxnSpPr>
+        <p:spPr>
+          <a:xfrm flipH="1">
+            <a:off x="2459886" y="1138887"/>
+            <a:ext cx="438225" cy="0"/>
+          </a:xfrm>
+          <a:prstGeom prst="line">
+            <a:avLst/>
+          </a:prstGeom>
+          <a:ln w="12700">
+            <a:solidFill>
+              <a:schemeClr val="bg1"/>
+            </a:solidFill>
+          </a:ln>
+        </p:spPr>
+        <p:style>
+          <a:lnRef idx="2">
+            <a:schemeClr val="accent1"/>
+          </a:lnRef>
+          <a:fillRef idx="0">
+            <a:schemeClr val="accent1"/>
+          </a:fillRef>
+          <a:effectRef idx="1">
+            <a:schemeClr val="accent1"/>
+          </a:effectRef>
+          <a:fontRef idx="minor">
+            <a:schemeClr val="tx1"/>
+          </a:fontRef>
+        </p:style>
+      </p:cxnSp>
     </p:spTree>
     <p:extLst>
       <p:ext uri="{BB962C8B-B14F-4D97-AF65-F5344CB8AC3E}">
@@ -7338,6 +8512,136 @@
           </a:p>
         </p:txBody>
       </p:sp>
+      <p:sp>
+        <p:nvSpPr>
+          <p:cNvPr id="4" name="TextBox 4">
+            <a:extLst>
+              <a:ext uri="{FF2B5EF4-FFF2-40B4-BE49-F238E27FC236}">
+                <a16:creationId xmlns:a16="http://schemas.microsoft.com/office/drawing/2014/main" id="{943CEEF2-BD4E-426B-A573-EB2DF917085D}"/>
+              </a:ext>
+            </a:extLst>
+          </p:cNvPr>
+          <p:cNvSpPr txBox="1"/>
+          <p:nvPr/>
+        </p:nvSpPr>
+        <p:spPr>
+          <a:xfrm>
+            <a:off x="805447" y="1005581"/>
+            <a:ext cx="2006600" cy="276999"/>
+          </a:xfrm>
+          <a:prstGeom prst="rect">
+            <a:avLst/>
+          </a:prstGeom>
+          <a:noFill/>
+        </p:spPr>
+        <p:txBody>
+          <a:bodyPr wrap="square" rtlCol="0">
+            <a:spAutoFit/>
+          </a:bodyPr>
+          <a:lstStyle/>
+          <a:p>
+            <a:pPr algn="ctr"/>
+            <a:r>
+              <a:rPr lang="en-US" altLang="ja-JP" sz="1200" b="1" dirty="0">
+                <a:solidFill>
+                  <a:srgbClr val="FFB100"/>
+                </a:solidFill>
+                <a:latin typeface="Amazon Ember" charset="0"/>
+                <a:ea typeface="Amazon Ember" charset="0"/>
+                <a:cs typeface="Amazon Ember" charset="0"/>
+              </a:rPr>
+              <a:t>KANAZAWA</a:t>
+            </a:r>
+            <a:endParaRPr lang="en-US" sz="1200" dirty="0"/>
+          </a:p>
+        </p:txBody>
+      </p:sp>
+      <p:cxnSp>
+        <p:nvCxnSpPr>
+          <p:cNvPr id="5" name="Straight Connector 6">
+            <a:extLst>
+              <a:ext uri="{FF2B5EF4-FFF2-40B4-BE49-F238E27FC236}">
+                <a16:creationId xmlns:a16="http://schemas.microsoft.com/office/drawing/2014/main" id="{4F2B112B-09C0-4E59-A78C-45CF9E681507}"/>
+              </a:ext>
+            </a:extLst>
+          </p:cNvPr>
+          <p:cNvCxnSpPr>
+            <a:cxnSpLocks/>
+          </p:cNvCxnSpPr>
+          <p:nvPr/>
+        </p:nvCxnSpPr>
+        <p:spPr>
+          <a:xfrm flipH="1">
+            <a:off x="672399" y="1133323"/>
+            <a:ext cx="438225" cy="0"/>
+          </a:xfrm>
+          <a:prstGeom prst="line">
+            <a:avLst/>
+          </a:prstGeom>
+          <a:ln w="12700">
+            <a:solidFill>
+              <a:schemeClr val="bg1"/>
+            </a:solidFill>
+          </a:ln>
+        </p:spPr>
+        <p:style>
+          <a:lnRef idx="2">
+            <a:schemeClr val="accent1"/>
+          </a:lnRef>
+          <a:fillRef idx="0">
+            <a:schemeClr val="accent1"/>
+          </a:fillRef>
+          <a:effectRef idx="1">
+            <a:schemeClr val="accent1"/>
+          </a:effectRef>
+          <a:fontRef idx="minor">
+            <a:schemeClr val="tx1"/>
+          </a:fontRef>
+        </p:style>
+      </p:cxnSp>
+      <p:cxnSp>
+        <p:nvCxnSpPr>
+          <p:cNvPr id="6" name="Straight Connector 6">
+            <a:extLst>
+              <a:ext uri="{FF2B5EF4-FFF2-40B4-BE49-F238E27FC236}">
+                <a16:creationId xmlns:a16="http://schemas.microsoft.com/office/drawing/2014/main" id="{D8180ED9-1202-4501-9DAA-A650EA3D88D6}"/>
+              </a:ext>
+            </a:extLst>
+          </p:cNvPr>
+          <p:cNvCxnSpPr>
+            <a:cxnSpLocks/>
+          </p:cNvCxnSpPr>
+          <p:nvPr/>
+        </p:nvCxnSpPr>
+        <p:spPr>
+          <a:xfrm flipH="1">
+            <a:off x="2459886" y="1138887"/>
+            <a:ext cx="438225" cy="0"/>
+          </a:xfrm>
+          <a:prstGeom prst="line">
+            <a:avLst/>
+          </a:prstGeom>
+          <a:ln w="12700">
+            <a:solidFill>
+              <a:schemeClr val="bg1"/>
+            </a:solidFill>
+          </a:ln>
+        </p:spPr>
+        <p:style>
+          <a:lnRef idx="2">
+            <a:schemeClr val="accent1"/>
+          </a:lnRef>
+          <a:fillRef idx="0">
+            <a:schemeClr val="accent1"/>
+          </a:fillRef>
+          <a:effectRef idx="1">
+            <a:schemeClr val="accent1"/>
+          </a:effectRef>
+          <a:fontRef idx="minor">
+            <a:schemeClr val="tx1"/>
+          </a:fontRef>
+        </p:style>
+      </p:cxnSp>
     </p:spTree>
     <p:extLst>
       <p:ext uri="{BB962C8B-B14F-4D97-AF65-F5344CB8AC3E}">
@@ -7417,6 +8721,136 @@
           </a:p>
         </p:txBody>
       </p:sp>
+      <p:sp>
+        <p:nvSpPr>
+          <p:cNvPr id="6" name="TextBox 4">
+            <a:extLst>
+              <a:ext uri="{FF2B5EF4-FFF2-40B4-BE49-F238E27FC236}">
+                <a16:creationId xmlns:a16="http://schemas.microsoft.com/office/drawing/2014/main" id="{1584C4CD-3123-4D0A-A1F8-90CDB0FFB22A}"/>
+              </a:ext>
+            </a:extLst>
+          </p:cNvPr>
+          <p:cNvSpPr txBox="1"/>
+          <p:nvPr/>
+        </p:nvSpPr>
+        <p:spPr>
+          <a:xfrm>
+            <a:off x="805447" y="1005581"/>
+            <a:ext cx="2006600" cy="276999"/>
+          </a:xfrm>
+          <a:prstGeom prst="rect">
+            <a:avLst/>
+          </a:prstGeom>
+          <a:noFill/>
+        </p:spPr>
+        <p:txBody>
+          <a:bodyPr wrap="square" rtlCol="0">
+            <a:spAutoFit/>
+          </a:bodyPr>
+          <a:lstStyle/>
+          <a:p>
+            <a:pPr algn="ctr"/>
+            <a:r>
+              <a:rPr lang="en-US" altLang="ja-JP" sz="1200" b="1" dirty="0">
+                <a:solidFill>
+                  <a:srgbClr val="FFB100"/>
+                </a:solidFill>
+                <a:latin typeface="Amazon Ember" charset="0"/>
+                <a:ea typeface="Amazon Ember" charset="0"/>
+                <a:cs typeface="Amazon Ember" charset="0"/>
+              </a:rPr>
+              <a:t>KANAZAWA</a:t>
+            </a:r>
+            <a:endParaRPr lang="en-US" sz="1200" dirty="0"/>
+          </a:p>
+        </p:txBody>
+      </p:sp>
+      <p:cxnSp>
+        <p:nvCxnSpPr>
+          <p:cNvPr id="7" name="Straight Connector 6">
+            <a:extLst>
+              <a:ext uri="{FF2B5EF4-FFF2-40B4-BE49-F238E27FC236}">
+                <a16:creationId xmlns:a16="http://schemas.microsoft.com/office/drawing/2014/main" id="{E2712581-A74D-4E59-A0A4-E5F83722F41B}"/>
+              </a:ext>
+            </a:extLst>
+          </p:cNvPr>
+          <p:cNvCxnSpPr>
+            <a:cxnSpLocks/>
+          </p:cNvCxnSpPr>
+          <p:nvPr/>
+        </p:nvCxnSpPr>
+        <p:spPr>
+          <a:xfrm flipH="1">
+            <a:off x="672399" y="1133323"/>
+            <a:ext cx="438225" cy="0"/>
+          </a:xfrm>
+          <a:prstGeom prst="line">
+            <a:avLst/>
+          </a:prstGeom>
+          <a:ln w="12700">
+            <a:solidFill>
+              <a:schemeClr val="bg1"/>
+            </a:solidFill>
+          </a:ln>
+        </p:spPr>
+        <p:style>
+          <a:lnRef idx="2">
+            <a:schemeClr val="accent1"/>
+          </a:lnRef>
+          <a:fillRef idx="0">
+            <a:schemeClr val="accent1"/>
+          </a:fillRef>
+          <a:effectRef idx="1">
+            <a:schemeClr val="accent1"/>
+          </a:effectRef>
+          <a:fontRef idx="minor">
+            <a:schemeClr val="tx1"/>
+          </a:fontRef>
+        </p:style>
+      </p:cxnSp>
+      <p:cxnSp>
+        <p:nvCxnSpPr>
+          <p:cNvPr id="8" name="Straight Connector 6">
+            <a:extLst>
+              <a:ext uri="{FF2B5EF4-FFF2-40B4-BE49-F238E27FC236}">
+                <a16:creationId xmlns:a16="http://schemas.microsoft.com/office/drawing/2014/main" id="{90DB3E37-44F6-45EF-9B76-A49268D97F1E}"/>
+              </a:ext>
+            </a:extLst>
+          </p:cNvPr>
+          <p:cNvCxnSpPr>
+            <a:cxnSpLocks/>
+          </p:cNvCxnSpPr>
+          <p:nvPr/>
+        </p:nvCxnSpPr>
+        <p:spPr>
+          <a:xfrm flipH="1">
+            <a:off x="2459886" y="1138887"/>
+            <a:ext cx="438225" cy="0"/>
+          </a:xfrm>
+          <a:prstGeom prst="line">
+            <a:avLst/>
+          </a:prstGeom>
+          <a:ln w="12700">
+            <a:solidFill>
+              <a:schemeClr val="bg1"/>
+            </a:solidFill>
+          </a:ln>
+        </p:spPr>
+        <p:style>
+          <a:lnRef idx="2">
+            <a:schemeClr val="accent1"/>
+          </a:lnRef>
+          <a:fillRef idx="0">
+            <a:schemeClr val="accent1"/>
+          </a:fillRef>
+          <a:effectRef idx="1">
+            <a:schemeClr val="accent1"/>
+          </a:effectRef>
+          <a:fontRef idx="minor">
+            <a:schemeClr val="tx1"/>
+          </a:fontRef>
+        </p:style>
+      </p:cxnSp>
     </p:spTree>
     <p:extLst>
       <p:ext uri="{BB962C8B-B14F-4D97-AF65-F5344CB8AC3E}">
@@ -7510,6 +8944,136 @@
           </a:p>
         </p:txBody>
       </p:sp>
+      <p:sp>
+        <p:nvSpPr>
+          <p:cNvPr id="4" name="TextBox 4">
+            <a:extLst>
+              <a:ext uri="{FF2B5EF4-FFF2-40B4-BE49-F238E27FC236}">
+                <a16:creationId xmlns:a16="http://schemas.microsoft.com/office/drawing/2014/main" id="{FC4D857A-ACB1-48CD-A0F8-D305AC1EB145}"/>
+              </a:ext>
+            </a:extLst>
+          </p:cNvPr>
+          <p:cNvSpPr txBox="1"/>
+          <p:nvPr/>
+        </p:nvSpPr>
+        <p:spPr>
+          <a:xfrm>
+            <a:off x="568778" y="811943"/>
+            <a:ext cx="2006600" cy="253916"/>
+          </a:xfrm>
+          <a:prstGeom prst="rect">
+            <a:avLst/>
+          </a:prstGeom>
+          <a:noFill/>
+        </p:spPr>
+        <p:txBody>
+          <a:bodyPr wrap="square" rtlCol="0">
+            <a:spAutoFit/>
+          </a:bodyPr>
+          <a:lstStyle/>
+          <a:p>
+            <a:pPr algn="ctr"/>
+            <a:r>
+              <a:rPr lang="en-US" altLang="ja-JP" sz="1050" b="1" dirty="0">
+                <a:solidFill>
+                  <a:srgbClr val="FFB100"/>
+                </a:solidFill>
+                <a:latin typeface="Amazon Ember" charset="0"/>
+                <a:ea typeface="Amazon Ember" charset="0"/>
+                <a:cs typeface="Amazon Ember" charset="0"/>
+              </a:rPr>
+              <a:t>KANAZAWA</a:t>
+            </a:r>
+            <a:endParaRPr lang="en-US" sz="1050" dirty="0"/>
+          </a:p>
+        </p:txBody>
+      </p:sp>
+      <p:cxnSp>
+        <p:nvCxnSpPr>
+          <p:cNvPr id="5" name="Straight Connector 6">
+            <a:extLst>
+              <a:ext uri="{FF2B5EF4-FFF2-40B4-BE49-F238E27FC236}">
+                <a16:creationId xmlns:a16="http://schemas.microsoft.com/office/drawing/2014/main" id="{85EECFE1-5C34-43E8-A369-8A07420CCFFC}"/>
+              </a:ext>
+            </a:extLst>
+          </p:cNvPr>
+          <p:cNvCxnSpPr>
+            <a:cxnSpLocks/>
+          </p:cNvCxnSpPr>
+          <p:nvPr/>
+        </p:nvCxnSpPr>
+        <p:spPr>
+          <a:xfrm flipH="1">
+            <a:off x="661640" y="938261"/>
+            <a:ext cx="438225" cy="0"/>
+          </a:xfrm>
+          <a:prstGeom prst="line">
+            <a:avLst/>
+          </a:prstGeom>
+          <a:ln w="12700">
+            <a:solidFill>
+              <a:schemeClr val="bg1"/>
+            </a:solidFill>
+          </a:ln>
+        </p:spPr>
+        <p:style>
+          <a:lnRef idx="2">
+            <a:schemeClr val="accent1"/>
+          </a:lnRef>
+          <a:fillRef idx="0">
+            <a:schemeClr val="accent1"/>
+          </a:fillRef>
+          <a:effectRef idx="1">
+            <a:schemeClr val="accent1"/>
+          </a:effectRef>
+          <a:fontRef idx="minor">
+            <a:schemeClr val="tx1"/>
+          </a:fontRef>
+        </p:style>
+      </p:cxnSp>
+      <p:cxnSp>
+        <p:nvCxnSpPr>
+          <p:cNvPr id="6" name="Straight Connector 6">
+            <a:extLst>
+              <a:ext uri="{FF2B5EF4-FFF2-40B4-BE49-F238E27FC236}">
+                <a16:creationId xmlns:a16="http://schemas.microsoft.com/office/drawing/2014/main" id="{9B0831E9-1FF5-4C6B-9148-EE076BE48B04}"/>
+              </a:ext>
+            </a:extLst>
+          </p:cNvPr>
+          <p:cNvCxnSpPr>
+            <a:cxnSpLocks/>
+          </p:cNvCxnSpPr>
+          <p:nvPr/>
+        </p:nvCxnSpPr>
+        <p:spPr>
+          <a:xfrm flipH="1">
+            <a:off x="2029579" y="938261"/>
+            <a:ext cx="438225" cy="0"/>
+          </a:xfrm>
+          <a:prstGeom prst="line">
+            <a:avLst/>
+          </a:prstGeom>
+          <a:ln w="12700">
+            <a:solidFill>
+              <a:schemeClr val="bg1"/>
+            </a:solidFill>
+          </a:ln>
+        </p:spPr>
+        <p:style>
+          <a:lnRef idx="2">
+            <a:schemeClr val="accent1"/>
+          </a:lnRef>
+          <a:fillRef idx="0">
+            <a:schemeClr val="accent1"/>
+          </a:fillRef>
+          <a:effectRef idx="1">
+            <a:schemeClr val="accent1"/>
+          </a:effectRef>
+          <a:fontRef idx="minor">
+            <a:schemeClr val="tx1"/>
+          </a:fontRef>
+        </p:style>
+      </p:cxnSp>
     </p:spTree>
     <p:extLst>
       <p:ext uri="{BB962C8B-B14F-4D97-AF65-F5344CB8AC3E}">
@@ -7594,6 +9158,136 @@
           </a:p>
         </p:txBody>
       </p:sp>
+      <p:sp>
+        <p:nvSpPr>
+          <p:cNvPr id="4" name="TextBox 4">
+            <a:extLst>
+              <a:ext uri="{FF2B5EF4-FFF2-40B4-BE49-F238E27FC236}">
+                <a16:creationId xmlns:a16="http://schemas.microsoft.com/office/drawing/2014/main" id="{CBAEB786-6A80-4E17-8624-F6D774EFC9E0}"/>
+              </a:ext>
+            </a:extLst>
+          </p:cNvPr>
+          <p:cNvSpPr txBox="1"/>
+          <p:nvPr/>
+        </p:nvSpPr>
+        <p:spPr>
+          <a:xfrm>
+            <a:off x="805447" y="1005581"/>
+            <a:ext cx="2006600" cy="276999"/>
+          </a:xfrm>
+          <a:prstGeom prst="rect">
+            <a:avLst/>
+          </a:prstGeom>
+          <a:noFill/>
+        </p:spPr>
+        <p:txBody>
+          <a:bodyPr wrap="square" rtlCol="0">
+            <a:spAutoFit/>
+          </a:bodyPr>
+          <a:lstStyle/>
+          <a:p>
+            <a:pPr algn="ctr"/>
+            <a:r>
+              <a:rPr lang="en-US" altLang="ja-JP" sz="1200" b="1" dirty="0">
+                <a:solidFill>
+                  <a:srgbClr val="FFB100"/>
+                </a:solidFill>
+                <a:latin typeface="Amazon Ember" charset="0"/>
+                <a:ea typeface="Amazon Ember" charset="0"/>
+                <a:cs typeface="Amazon Ember" charset="0"/>
+              </a:rPr>
+              <a:t>KANAZAWA</a:t>
+            </a:r>
+            <a:endParaRPr lang="en-US" sz="1200" dirty="0"/>
+          </a:p>
+        </p:txBody>
+      </p:sp>
+      <p:cxnSp>
+        <p:nvCxnSpPr>
+          <p:cNvPr id="5" name="Straight Connector 6">
+            <a:extLst>
+              <a:ext uri="{FF2B5EF4-FFF2-40B4-BE49-F238E27FC236}">
+                <a16:creationId xmlns:a16="http://schemas.microsoft.com/office/drawing/2014/main" id="{8E4EFA87-4461-4C5E-9E8D-1AF14E500688}"/>
+              </a:ext>
+            </a:extLst>
+          </p:cNvPr>
+          <p:cNvCxnSpPr>
+            <a:cxnSpLocks/>
+          </p:cNvCxnSpPr>
+          <p:nvPr/>
+        </p:nvCxnSpPr>
+        <p:spPr>
+          <a:xfrm flipH="1">
+            <a:off x="672399" y="1133323"/>
+            <a:ext cx="438225" cy="0"/>
+          </a:xfrm>
+          <a:prstGeom prst="line">
+            <a:avLst/>
+          </a:prstGeom>
+          <a:ln w="12700">
+            <a:solidFill>
+              <a:schemeClr val="bg1"/>
+            </a:solidFill>
+          </a:ln>
+        </p:spPr>
+        <p:style>
+          <a:lnRef idx="2">
+            <a:schemeClr val="accent1"/>
+          </a:lnRef>
+          <a:fillRef idx="0">
+            <a:schemeClr val="accent1"/>
+          </a:fillRef>
+          <a:effectRef idx="1">
+            <a:schemeClr val="accent1"/>
+          </a:effectRef>
+          <a:fontRef idx="minor">
+            <a:schemeClr val="tx1"/>
+          </a:fontRef>
+        </p:style>
+      </p:cxnSp>
+      <p:cxnSp>
+        <p:nvCxnSpPr>
+          <p:cNvPr id="6" name="Straight Connector 6">
+            <a:extLst>
+              <a:ext uri="{FF2B5EF4-FFF2-40B4-BE49-F238E27FC236}">
+                <a16:creationId xmlns:a16="http://schemas.microsoft.com/office/drawing/2014/main" id="{754591B9-60B1-4738-A056-CE227B313394}"/>
+              </a:ext>
+            </a:extLst>
+          </p:cNvPr>
+          <p:cNvCxnSpPr>
+            <a:cxnSpLocks/>
+          </p:cNvCxnSpPr>
+          <p:nvPr/>
+        </p:nvCxnSpPr>
+        <p:spPr>
+          <a:xfrm flipH="1">
+            <a:off x="2459886" y="1138887"/>
+            <a:ext cx="438225" cy="0"/>
+          </a:xfrm>
+          <a:prstGeom prst="line">
+            <a:avLst/>
+          </a:prstGeom>
+          <a:ln w="12700">
+            <a:solidFill>
+              <a:schemeClr val="bg1"/>
+            </a:solidFill>
+          </a:ln>
+        </p:spPr>
+        <p:style>
+          <a:lnRef idx="2">
+            <a:schemeClr val="accent1"/>
+          </a:lnRef>
+          <a:fillRef idx="0">
+            <a:schemeClr val="accent1"/>
+          </a:fillRef>
+          <a:effectRef idx="1">
+            <a:schemeClr val="accent1"/>
+          </a:effectRef>
+          <a:fontRef idx="minor">
+            <a:schemeClr val="tx1"/>
+          </a:fontRef>
+        </p:style>
+      </p:cxnSp>
     </p:spTree>
     <p:extLst>
       <p:ext uri="{BB962C8B-B14F-4D97-AF65-F5344CB8AC3E}">
@@ -7678,6 +9372,136 @@
           </a:p>
         </p:txBody>
       </p:sp>
+      <p:sp>
+        <p:nvSpPr>
+          <p:cNvPr id="8" name="TextBox 4">
+            <a:extLst>
+              <a:ext uri="{FF2B5EF4-FFF2-40B4-BE49-F238E27FC236}">
+                <a16:creationId xmlns:a16="http://schemas.microsoft.com/office/drawing/2014/main" id="{FB852139-BC8F-446C-8B36-3E9BD7BF328A}"/>
+              </a:ext>
+            </a:extLst>
+          </p:cNvPr>
+          <p:cNvSpPr txBox="1"/>
+          <p:nvPr/>
+        </p:nvSpPr>
+        <p:spPr>
+          <a:xfrm>
+            <a:off x="568778" y="811943"/>
+            <a:ext cx="2006600" cy="253916"/>
+          </a:xfrm>
+          <a:prstGeom prst="rect">
+            <a:avLst/>
+          </a:prstGeom>
+          <a:noFill/>
+        </p:spPr>
+        <p:txBody>
+          <a:bodyPr wrap="square" rtlCol="0">
+            <a:spAutoFit/>
+          </a:bodyPr>
+          <a:lstStyle/>
+          <a:p>
+            <a:pPr algn="ctr"/>
+            <a:r>
+              <a:rPr lang="en-US" altLang="ja-JP" sz="1050" b="1" dirty="0">
+                <a:solidFill>
+                  <a:srgbClr val="FFB100"/>
+                </a:solidFill>
+                <a:latin typeface="Amazon Ember" charset="0"/>
+                <a:ea typeface="Amazon Ember" charset="0"/>
+                <a:cs typeface="Amazon Ember" charset="0"/>
+              </a:rPr>
+              <a:t>KANAZAWA</a:t>
+            </a:r>
+            <a:endParaRPr lang="en-US" sz="1050" dirty="0"/>
+          </a:p>
+        </p:txBody>
+      </p:sp>
+      <p:cxnSp>
+        <p:nvCxnSpPr>
+          <p:cNvPr id="9" name="Straight Connector 6">
+            <a:extLst>
+              <a:ext uri="{FF2B5EF4-FFF2-40B4-BE49-F238E27FC236}">
+                <a16:creationId xmlns:a16="http://schemas.microsoft.com/office/drawing/2014/main" id="{F1B9C187-672F-4D27-9E38-E9DD1E9C62B4}"/>
+              </a:ext>
+            </a:extLst>
+          </p:cNvPr>
+          <p:cNvCxnSpPr>
+            <a:cxnSpLocks/>
+          </p:cNvCxnSpPr>
+          <p:nvPr/>
+        </p:nvCxnSpPr>
+        <p:spPr>
+          <a:xfrm flipH="1">
+            <a:off x="661640" y="938261"/>
+            <a:ext cx="438225" cy="0"/>
+          </a:xfrm>
+          <a:prstGeom prst="line">
+            <a:avLst/>
+          </a:prstGeom>
+          <a:ln w="12700">
+            <a:solidFill>
+              <a:schemeClr val="bg1"/>
+            </a:solidFill>
+          </a:ln>
+        </p:spPr>
+        <p:style>
+          <a:lnRef idx="2">
+            <a:schemeClr val="accent1"/>
+          </a:lnRef>
+          <a:fillRef idx="0">
+            <a:schemeClr val="accent1"/>
+          </a:fillRef>
+          <a:effectRef idx="1">
+            <a:schemeClr val="accent1"/>
+          </a:effectRef>
+          <a:fontRef idx="minor">
+            <a:schemeClr val="tx1"/>
+          </a:fontRef>
+        </p:style>
+      </p:cxnSp>
+      <p:cxnSp>
+        <p:nvCxnSpPr>
+          <p:cNvPr id="10" name="Straight Connector 6">
+            <a:extLst>
+              <a:ext uri="{FF2B5EF4-FFF2-40B4-BE49-F238E27FC236}">
+                <a16:creationId xmlns:a16="http://schemas.microsoft.com/office/drawing/2014/main" id="{C18914A6-5652-4BAD-88A2-C8A69AC26BBE}"/>
+              </a:ext>
+            </a:extLst>
+          </p:cNvPr>
+          <p:cNvCxnSpPr>
+            <a:cxnSpLocks/>
+          </p:cNvCxnSpPr>
+          <p:nvPr/>
+        </p:nvCxnSpPr>
+        <p:spPr>
+          <a:xfrm flipH="1">
+            <a:off x="2029579" y="938261"/>
+            <a:ext cx="438225" cy="0"/>
+          </a:xfrm>
+          <a:prstGeom prst="line">
+            <a:avLst/>
+          </a:prstGeom>
+          <a:ln w="12700">
+            <a:solidFill>
+              <a:schemeClr val="bg1"/>
+            </a:solidFill>
+          </a:ln>
+        </p:spPr>
+        <p:style>
+          <a:lnRef idx="2">
+            <a:schemeClr val="accent1"/>
+          </a:lnRef>
+          <a:fillRef idx="0">
+            <a:schemeClr val="accent1"/>
+          </a:fillRef>
+          <a:effectRef idx="1">
+            <a:schemeClr val="accent1"/>
+          </a:effectRef>
+          <a:fontRef idx="minor">
+            <a:schemeClr val="tx1"/>
+          </a:fontRef>
+        </p:style>
+      </p:cxnSp>
     </p:spTree>
     <p:extLst>
       <p:ext uri="{BB962C8B-B14F-4D97-AF65-F5344CB8AC3E}">
@@ -8610,15 +10434,6 @@
 </file>
 
 <file path=customXml/item1.xml><?xml version="1.0" encoding="utf-8"?>
-<?mso-contentType ?>
-<FormTemplates xmlns="http://schemas.microsoft.com/sharepoint/v3/contenttype/forms">
-  <Display>DocumentLibraryForm</Display>
-  <Edit>DocumentLibraryForm</Edit>
-  <New>DocumentLibraryForm</New>
-</FormTemplates>
-</file>
-
-<file path=customXml/item2.xml><?xml version="1.0" encoding="utf-8"?>
 <ct:contentTypeSchema xmlns:ct="http://schemas.microsoft.com/office/2006/metadata/contentType" xmlns:ma="http://schemas.microsoft.com/office/2006/metadata/properties/metaAttributes" ct:_="" ma:_="" ma:contentTypeName="Document" ma:contentTypeID="0x010100D26A3D6C04DFD740953BA1B2B9E62D60" ma:contentTypeVersion="0" ma:contentTypeDescription="Create a new document." ma:contentTypeScope="" ma:versionID="26617cd14cd3af163c0e97ff614e520a">
   <xsd:schema xmlns:xsd="http://www.w3.org/2001/XMLSchema" xmlns:xs="http://www.w3.org/2001/XMLSchema" xmlns:p="http://schemas.microsoft.com/office/2006/metadata/properties" targetNamespace="http://schemas.microsoft.com/office/2006/metadata/properties" ma:root="true" ma:fieldsID="c64490b4aec6201516c3a874156f37b2">
     <xsd:element name="properties">
@@ -8732,6 +10547,15 @@
 </ct:contentTypeSchema>
 </file>
 
+<file path=customXml/item2.xml><?xml version="1.0" encoding="utf-8"?>
+<?mso-contentType ?>
+<FormTemplates xmlns="http://schemas.microsoft.com/sharepoint/v3/contenttype/forms">
+  <Display>DocumentLibraryForm</Display>
+  <Edit>DocumentLibraryForm</Edit>
+  <New>DocumentLibraryForm</New>
+</FormTemplates>
+</file>
+
 <file path=customXml/item3.xml><?xml version="1.0" encoding="utf-8"?>
 <p:properties xmlns:p="http://schemas.microsoft.com/office/2006/metadata/properties" xmlns:xsi="http://www.w3.org/2001/XMLSchema-instance">
   <documentManagement/>
@@ -8739,14 +10563,6 @@
 </file>
 
 <file path=customXml/itemProps1.xml><?xml version="1.0" encoding="utf-8"?>
-<ds:datastoreItem xmlns:ds="http://schemas.openxmlformats.org/officeDocument/2006/customXml" ds:itemID="{705B35A6-8B52-46A5-AE45-B98C6459DC10}">
-  <ds:schemaRefs>
-    <ds:schemaRef ds:uri="http://schemas.microsoft.com/sharepoint/v3/contenttype/forms"/>
-  </ds:schemaRefs>
-</ds:datastoreItem>
-</file>
-
-<file path=customXml/itemProps2.xml><?xml version="1.0" encoding="utf-8"?>
 <ds:datastoreItem xmlns:ds="http://schemas.openxmlformats.org/officeDocument/2006/customXml" ds:itemID="{51A3258A-222C-4488-825E-7520D001FB75}">
   <ds:schemaRefs>
     <ds:schemaRef ds:uri="http://schemas.microsoft.com/office/2006/metadata/contentType"/>
@@ -8758,6 +10574,14 @@
     <ds:schemaRef ds:uri="http://purl.org/dc/terms/"/>
     <ds:schemaRef ds:uri="http://schemas.microsoft.com/internal/obd"/>
     <ds:schemaRef ds:uri="http://schemas.microsoft.com/office/infopath/2007/PartnerControls"/>
+  </ds:schemaRefs>
+</ds:datastoreItem>
+</file>
+
+<file path=customXml/itemProps2.xml><?xml version="1.0" encoding="utf-8"?>
+<ds:datastoreItem xmlns:ds="http://schemas.openxmlformats.org/officeDocument/2006/customXml" ds:itemID="{705B35A6-8B52-46A5-AE45-B98C6459DC10}">
+  <ds:schemaRefs>
+    <ds:schemaRef ds:uri="http://schemas.microsoft.com/sharepoint/v3/contenttype/forms"/>
   </ds:schemaRefs>
 </ds:datastoreItem>
 </file>
